--- a/Naudy_Antoine_3_Presentation_052023_.pptx
+++ b/Naudy_Antoine_3_Presentation_052023_.pptx
@@ -207,7 +207,7 @@
           <a:p>
             <a:fld id="{1335CB98-0964-4BAB-AE6D-6C30E4076310}" type="datetimeFigureOut">
               <a:rPr lang="fr-FR" smtClean="0"/>
-              <a:t>24/06/2023</a:t>
+              <a:t>29/11/2023</a:t>
             </a:fld>
             <a:endParaRPr lang="fr-FR"/>
           </a:p>
@@ -773,78 +773,6 @@
           <a:bodyPr/>
           <a:lstStyle/>
           <a:p>
-            <a:r>
-              <a:rPr lang="fr-FR" dirty="0"/>
-              <a:t>J’ai divisé cette présentation en neuf chapitres</a:t>
-            </a:r>
-            <a:r>
-              <a:rPr lang="fr-FR" baseline="0" dirty="0"/>
-              <a:t> qui recouvrent : une introduction, une analyse exploratoire des données, la modélisation de l’algorithme de prédiction, l’enregistrement du modèle et le </a:t>
-            </a:r>
-            <a:r>
-              <a:rPr lang="fr-FR" baseline="0" dirty="0" err="1"/>
-              <a:t>tracking</a:t>
-            </a:r>
-            <a:r>
-              <a:rPr lang="fr-FR" baseline="0" dirty="0"/>
-              <a:t> des expérimentations avec </a:t>
-            </a:r>
-            <a:r>
-              <a:rPr lang="fr-FR" baseline="0" dirty="0" err="1"/>
-              <a:t>MLFlow</a:t>
-            </a:r>
-            <a:r>
-              <a:rPr lang="fr-FR" baseline="0" dirty="0"/>
-              <a:t>, la présentation de l’API et du </a:t>
-            </a:r>
-            <a:r>
-              <a:rPr lang="fr-FR" baseline="0" dirty="0" err="1"/>
-              <a:t>dashboard</a:t>
-            </a:r>
-            <a:r>
-              <a:rPr lang="fr-FR" baseline="0" dirty="0"/>
-              <a:t> interactif avec </a:t>
-            </a:r>
-            <a:r>
-              <a:rPr lang="fr-FR" baseline="0" dirty="0" err="1"/>
-              <a:t>Streamlit</a:t>
-            </a:r>
-            <a:r>
-              <a:rPr lang="fr-FR" baseline="0" dirty="0"/>
-              <a:t>, la présentation des tests unitaires avec </a:t>
-            </a:r>
-            <a:r>
-              <a:rPr lang="fr-FR" baseline="0" dirty="0" err="1"/>
-              <a:t>Pytest</a:t>
-            </a:r>
-            <a:r>
-              <a:rPr lang="fr-FR" baseline="0" dirty="0"/>
-              <a:t>, le partage du projet sur </a:t>
-            </a:r>
-            <a:r>
-              <a:rPr lang="fr-FR" baseline="0" dirty="0" err="1"/>
-              <a:t>Github</a:t>
-            </a:r>
-            <a:r>
-              <a:rPr lang="fr-FR" baseline="0" dirty="0"/>
-              <a:t>, le déploiement de l’application sur internet avec </a:t>
-            </a:r>
-            <a:r>
-              <a:rPr lang="fr-FR" baseline="0" dirty="0" err="1"/>
-              <a:t>Heroku</a:t>
-            </a:r>
-            <a:r>
-              <a:rPr lang="fr-FR" baseline="0" dirty="0"/>
-              <a:t>, l’analyse de drift avec </a:t>
-            </a:r>
-            <a:r>
-              <a:rPr lang="fr-FR" baseline="0" dirty="0" err="1"/>
-              <a:t>Evidently</a:t>
-            </a:r>
-            <a:r>
-              <a:rPr lang="fr-FR" baseline="0" dirty="0"/>
-              <a:t> et pour finir une conclusion</a:t>
-            </a:r>
             <a:endParaRPr lang="fr-FR" dirty="0"/>
           </a:p>
         </p:txBody>
@@ -929,23 +857,7 @@
           <a:bodyPr/>
           <a:lstStyle/>
           <a:p>
-            <a:r>
-              <a:rPr lang="fr-FR" dirty="0"/>
-              <a:t>Pour commencer un petit rappel de la mission : Il s’agit de déployer sur internet un algorithme de classification binaire pour l’organisme de crédit « Prêt à dépenser ». Cet outil doit permettre de prédire le risque de défaillance de paiement des clients</a:t>
-            </a:r>
-            <a:r>
-              <a:rPr lang="fr-FR" baseline="0" dirty="0"/>
-              <a:t>. Il est demandé de lui donner la forme d’un tableau de bord transparent et interactif pour le client.</a:t>
-            </a:r>
-          </a:p>
-          <a:p>
-            <a:endParaRPr lang="fr-FR" baseline="0" dirty="0"/>
-          </a:p>
-          <a:p>
-            <a:r>
-              <a:rPr lang="fr-FR" dirty="0"/>
-              <a:t>Passons maintenant à l’exploration des données</a:t>
-            </a:r>
+            <a:endParaRPr lang="fr-FR" dirty="0"/>
           </a:p>
         </p:txBody>
       </p:sp>
@@ -1029,23 +941,7 @@
           <a:bodyPr/>
           <a:lstStyle/>
           <a:p>
-            <a:r>
-              <a:rPr lang="fr-FR" dirty="0"/>
-              <a:t>Pour commencer un petit rappel de la mission : Il s’agit de déployer sur internet un algorithme de classification binaire pour l’organisme de crédit « Prêt à dépenser ». Cet outil doit permettre de prédire le risque de défaillance de paiement des clients</a:t>
-            </a:r>
-            <a:r>
-              <a:rPr lang="fr-FR" baseline="0" dirty="0"/>
-              <a:t>. Il est demandé de lui donner la forme d’un tableau de bord transparent et interactif pour le client.</a:t>
-            </a:r>
-          </a:p>
-          <a:p>
-            <a:endParaRPr lang="fr-FR" baseline="0" dirty="0"/>
-          </a:p>
-          <a:p>
-            <a:r>
-              <a:rPr lang="fr-FR" dirty="0"/>
-              <a:t>Passons maintenant à l’exploration des données</a:t>
-            </a:r>
+            <a:endParaRPr lang="fr-FR" dirty="0"/>
           </a:p>
         </p:txBody>
       </p:sp>
@@ -1129,26 +1025,6 @@
           <a:bodyPr/>
           <a:lstStyle/>
           <a:p>
-            <a:r>
-              <a:rPr lang="fr-FR" baseline="0" dirty="0"/>
-              <a:t>Ces données sont composées de dix tableaux qu’il faut nettoyer et explorer. Les deux tableaux principaux sont « </a:t>
-            </a:r>
-            <a:r>
-              <a:rPr lang="fr-FR" baseline="0" dirty="0" err="1"/>
-              <a:t>application_train</a:t>
-            </a:r>
-            <a:r>
-              <a:rPr lang="fr-FR" baseline="0" dirty="0"/>
-              <a:t> » qui va nous servir à entraîner, valider des modèles de ML et « </a:t>
-            </a:r>
-            <a:r>
-              <a:rPr lang="fr-FR" baseline="0" dirty="0" err="1"/>
-              <a:t>application_test</a:t>
-            </a:r>
-            <a:r>
-              <a:rPr lang="fr-FR" baseline="0" dirty="0"/>
-              <a:t>» pour l’analyse de drift</a:t>
-            </a:r>
             <a:endParaRPr lang="fr-FR" dirty="0"/>
           </a:p>
         </p:txBody>
@@ -1819,7 +1695,7 @@
           <a:effectLst/>
           <a:extLst>
             <a:ext uri="{91240B29-F687-4f45-9708-019B960494DF}">
-              <a14:hiddenLine xmlns:a14="http://schemas.microsoft.com/office/drawing/2010/main" xmlns="" w="9525">
+              <a14:hiddenLine xmlns="" xmlns:a14="http://schemas.microsoft.com/office/drawing/2010/main" w="9525">
                 <a:solidFill>
                   <a:srgbClr val="000000"/>
                 </a:solidFill>
@@ -2011,7 +1887,7 @@
           <a:p>
             <a:fld id="{7C800F6D-1E0B-4BFB-A1AB-20E9C7CC253C}" type="datetime1">
               <a:rPr lang="en-US" smtClean="0"/>
-              <a:t>6/24/2023</a:t>
+              <a:t>11/29/2023</a:t>
             </a:fld>
             <a:endParaRPr lang="en-US" dirty="0"/>
           </a:p>
@@ -2325,7 +2201,7 @@
           <a:p>
             <a:fld id="{505C72C3-401C-40D3-8590-F8EB62565903}" type="datetime1">
               <a:rPr lang="en-US" smtClean="0"/>
-              <a:t>6/24/2023</a:t>
+              <a:t>11/29/2023</a:t>
             </a:fld>
             <a:endParaRPr lang="en-US" dirty="0"/>
           </a:p>
@@ -2809,7 +2685,7 @@
           <a:p>
             <a:fld id="{7F55791F-5FDB-4A0C-BD4A-45CCF4482D6D}" type="datetime1">
               <a:rPr lang="en-US" smtClean="0"/>
-              <a:t>6/24/2023</a:t>
+              <a:t>11/29/2023</a:t>
             </a:fld>
             <a:endParaRPr lang="en-US" dirty="0"/>
           </a:p>
@@ -3174,7 +3050,7 @@
           <a:p>
             <a:fld id="{5CB5B900-60F4-46FA-A4BE-AC0E901B5771}" type="datetime1">
               <a:rPr lang="en-US" smtClean="0"/>
-              <a:t>6/24/2023</a:t>
+              <a:t>11/29/2023</a:t>
             </a:fld>
             <a:endParaRPr lang="en-US" dirty="0"/>
           </a:p>
@@ -3325,7 +3201,7 @@
           <a:ln/>
           <a:extLst>
             <a:ext uri="{91240B29-F687-4f45-9708-019B960494DF}">
-              <a14:hiddenLine xmlns:a14="http://schemas.microsoft.com/office/drawing/2010/main" xmlns="" w="9525">
+              <a14:hiddenLine xmlns="" xmlns:a14="http://schemas.microsoft.com/office/drawing/2010/main" w="9525">
                 <a:solidFill>
                   <a:srgbClr val="000000"/>
                 </a:solidFill>
@@ -3443,7 +3319,7 @@
           <a:p>
             <a:fld id="{8AF3C1A7-CA85-4A96-BE3F-41B33752B877}" type="datetime1">
               <a:rPr lang="en-US" smtClean="0"/>
-              <a:t>6/24/2023</a:t>
+              <a:t>11/29/2023</a:t>
             </a:fld>
             <a:endParaRPr lang="en-US" dirty="0"/>
           </a:p>
@@ -3596,7 +3472,7 @@
           <a:ln/>
           <a:extLst>
             <a:ext uri="{91240B29-F687-4f45-9708-019B960494DF}">
-              <a14:hiddenLine xmlns:a14="http://schemas.microsoft.com/office/drawing/2010/main" xmlns="" w="9525">
+              <a14:hiddenLine xmlns="" xmlns:a14="http://schemas.microsoft.com/office/drawing/2010/main" w="9525">
                 <a:solidFill>
                   <a:srgbClr val="000000"/>
                 </a:solidFill>
@@ -3724,7 +3600,7 @@
           <a:p>
             <a:fld id="{6E782AD6-F823-4126-823D-10DC5AA66441}" type="datetime1">
               <a:rPr lang="en-US" smtClean="0"/>
-              <a:t>6/24/2023</a:t>
+              <a:t>11/29/2023</a:t>
             </a:fld>
             <a:endParaRPr lang="en-US" dirty="0"/>
           </a:p>
@@ -3875,7 +3751,7 @@
           <a:ln/>
           <a:extLst>
             <a:ext uri="{91240B29-F687-4f45-9708-019B960494DF}">
-              <a14:hiddenLine xmlns:a14="http://schemas.microsoft.com/office/drawing/2010/main" xmlns="" w="9525">
+              <a14:hiddenLine xmlns="" xmlns:a14="http://schemas.microsoft.com/office/drawing/2010/main" w="9525">
                 <a:solidFill>
                   <a:srgbClr val="000000"/>
                 </a:solidFill>
@@ -4003,7 +3879,7 @@
           <a:p>
             <a:fld id="{86BB541E-E37B-47BF-8DEF-E02A839DC3A5}" type="datetime1">
               <a:rPr lang="en-US" smtClean="0"/>
-              <a:t>6/24/2023</a:t>
+              <a:t>11/29/2023</a:t>
             </a:fld>
             <a:endParaRPr lang="en-US" dirty="0"/>
           </a:p>
@@ -4342,7 +4218,7 @@
           <a:p>
             <a:fld id="{14B6158A-8B75-4C9B-89AE-665E526F32A9}" type="datetime1">
               <a:rPr lang="en-US" smtClean="0"/>
-              <a:t>6/24/2023</a:t>
+              <a:t>11/29/2023</a:t>
             </a:fld>
             <a:endParaRPr lang="en-US" dirty="0"/>
           </a:p>
@@ -4493,7 +4369,7 @@
           <a:ln/>
           <a:extLst>
             <a:ext uri="{91240B29-F687-4f45-9708-019B960494DF}">
-              <a14:hiddenLine xmlns:a14="http://schemas.microsoft.com/office/drawing/2010/main" xmlns="" w="9525">
+              <a14:hiddenLine xmlns="" xmlns:a14="http://schemas.microsoft.com/office/drawing/2010/main" w="9525">
                 <a:solidFill>
                   <a:srgbClr val="000000"/>
                 </a:solidFill>
@@ -4677,7 +4553,7 @@
           <a:p>
             <a:fld id="{0B5DD352-5FB5-4D1B-B205-18B4E28E3274}" type="datetime1">
               <a:rPr lang="en-US" smtClean="0"/>
-              <a:t>6/24/2023</a:t>
+              <a:t>11/29/2023</a:t>
             </a:fld>
             <a:endParaRPr lang="en-US" dirty="0"/>
           </a:p>
@@ -4828,7 +4704,7 @@
           <a:ln/>
           <a:extLst>
             <a:ext uri="{91240B29-F687-4f45-9708-019B960494DF}">
-              <a14:hiddenLine xmlns:a14="http://schemas.microsoft.com/office/drawing/2010/main" xmlns="" w="9525">
+              <a14:hiddenLine xmlns="" xmlns:a14="http://schemas.microsoft.com/office/drawing/2010/main" w="9525">
                 <a:solidFill>
                   <a:srgbClr val="000000"/>
                 </a:solidFill>
@@ -5150,7 +5026,7 @@
           <a:p>
             <a:fld id="{685EE2B1-41C0-4E6A-9AAE-E868D697EA4F}" type="datetime1">
               <a:rPr lang="en-US" smtClean="0"/>
-              <a:t>6/24/2023</a:t>
+              <a:t>11/29/2023</a:t>
             </a:fld>
             <a:endParaRPr lang="en-US" dirty="0"/>
           </a:p>
@@ -5301,7 +5177,7 @@
           <a:ln/>
           <a:extLst>
             <a:ext uri="{91240B29-F687-4f45-9708-019B960494DF}">
-              <a14:hiddenLine xmlns:a14="http://schemas.microsoft.com/office/drawing/2010/main" xmlns="" w="9525">
+              <a14:hiddenLine xmlns="" xmlns:a14="http://schemas.microsoft.com/office/drawing/2010/main" w="9525">
                 <a:solidFill>
                   <a:srgbClr val="000000"/>
                 </a:solidFill>
@@ -5367,7 +5243,7 @@
           <a:p>
             <a:fld id="{9723C427-65D6-4150-9C34-996CC8903680}" type="datetime1">
               <a:rPr lang="en-US" smtClean="0"/>
-              <a:t>6/24/2023</a:t>
+              <a:t>11/29/2023</a:t>
             </a:fld>
             <a:endParaRPr lang="en-US" dirty="0"/>
           </a:p>
@@ -5458,7 +5334,7 @@
           <a:p>
             <a:fld id="{7623E9DF-3591-4B65-998A-4F2B42F5D763}" type="datetime1">
               <a:rPr lang="en-US" smtClean="0"/>
-              <a:t>6/24/2023</a:t>
+              <a:t>11/29/2023</a:t>
             </a:fld>
             <a:endParaRPr lang="en-US" dirty="0"/>
           </a:p>
@@ -5722,7 +5598,7 @@
           <a:ln/>
           <a:extLst>
             <a:ext uri="{91240B29-F687-4f45-9708-019B960494DF}">
-              <a14:hiddenLine xmlns:a14="http://schemas.microsoft.com/office/drawing/2010/main" xmlns="" w="9525">
+              <a14:hiddenLine xmlns="" xmlns:a14="http://schemas.microsoft.com/office/drawing/2010/main" w="9525">
                 <a:solidFill>
                   <a:srgbClr val="000000"/>
                 </a:solidFill>
@@ -5921,7 +5797,7 @@
           <a:p>
             <a:fld id="{E05D1CAB-4558-4D86-BA8B-AEC2625511DD}" type="datetime1">
               <a:rPr lang="en-US" smtClean="0"/>
-              <a:t>6/24/2023</a:t>
+              <a:t>11/29/2023</a:t>
             </a:fld>
             <a:endParaRPr lang="en-US" dirty="0"/>
           </a:p>
@@ -6230,7 +6106,7 @@
           <a:p>
             <a:fld id="{12940DAF-90C7-4E5D-A124-68952AE63C85}" type="datetime1">
               <a:rPr lang="en-US" smtClean="0"/>
-              <a:t>6/24/2023</a:t>
+              <a:t>11/29/2023</a:t>
             </a:fld>
             <a:endParaRPr lang="en-US" dirty="0"/>
           </a:p>
@@ -6496,7 +6372,7 @@
           <a:p>
             <a:fld id="{B58966F0-1182-4994-89E1-6A2B89E58F3A}" type="datetime1">
               <a:rPr lang="en-US" smtClean="0"/>
-              <a:t>6/24/2023</a:t>
+              <a:t>11/29/2023</a:t>
             </a:fld>
             <a:endParaRPr lang="en-US" dirty="0"/>
           </a:p>
